--- a/docs/songs/jesus at the centre of it all.pptx
+++ b/docs/songs/jesus at the centre of it all.pptx
@@ -8,14 +8,14 @@
     <p:notesMasterId r:id="rId10"/>
   </p:notesMasterIdLst>
   <p:sldIdLst>
-    <p:sldId id="1257" r:id="rId2"/>
-    <p:sldId id="1258" r:id="rId3"/>
-    <p:sldId id="1259" r:id="rId4"/>
-    <p:sldId id="1260" r:id="rId5"/>
-    <p:sldId id="1261" r:id="rId6"/>
-    <p:sldId id="1262" r:id="rId7"/>
-    <p:sldId id="1263" r:id="rId8"/>
-    <p:sldId id="1264" r:id="rId9"/>
+    <p:sldId id="1260" r:id="rId2"/>
+    <p:sldId id="1261" r:id="rId3"/>
+    <p:sldId id="1262" r:id="rId4"/>
+    <p:sldId id="1263" r:id="rId5"/>
+    <p:sldId id="1264" r:id="rId6"/>
+    <p:sldId id="1265" r:id="rId7"/>
+    <p:sldId id="1266" r:id="rId8"/>
+    <p:sldId id="1267" r:id="rId9"/>
   </p:sldIdLst>
   <p:sldSz cx="9144000" cy="6858000" type="screen4x3"/>
   <p:notesSz cx="6858000" cy="9144000"/>
@@ -215,7 +215,7 @@
           <a:p>
             <a:fld id="{C57EAEFC-A9C7-464E-BE3F-33D4DD72E122}" type="datetimeFigureOut">
               <a:rPr lang="en-GB" smtClean="0"/>
-              <a:t>17/02/2025</a:t>
+              <a:t>19/02/2025</a:t>
             </a:fld>
             <a:endParaRPr lang="en-GB"/>
           </a:p>
@@ -665,7 +665,7 @@
             <a:fld id="{26EA1CF3-4A15-4CBF-9A5A-6A56C368BE71}" type="datetimeFigureOut">
               <a:rPr lang="en-GB" smtClean="0"/>
               <a:pPr/>
-              <a:t>17/02/2025</a:t>
+              <a:t>19/02/2025</a:t>
             </a:fld>
             <a:endParaRPr lang="en-GB"/>
           </a:p>
@@ -832,7 +832,7 @@
             <a:fld id="{26EA1CF3-4A15-4CBF-9A5A-6A56C368BE71}" type="datetimeFigureOut">
               <a:rPr lang="en-GB" smtClean="0"/>
               <a:pPr/>
-              <a:t>17/02/2025</a:t>
+              <a:t>19/02/2025</a:t>
             </a:fld>
             <a:endParaRPr lang="en-GB"/>
           </a:p>
@@ -1009,7 +1009,7 @@
             <a:fld id="{26EA1CF3-4A15-4CBF-9A5A-6A56C368BE71}" type="datetimeFigureOut">
               <a:rPr lang="en-GB" smtClean="0"/>
               <a:pPr/>
-              <a:t>17/02/2025</a:t>
+              <a:t>19/02/2025</a:t>
             </a:fld>
             <a:endParaRPr lang="en-GB"/>
           </a:p>
@@ -1176,7 +1176,7 @@
             <a:fld id="{26EA1CF3-4A15-4CBF-9A5A-6A56C368BE71}" type="datetimeFigureOut">
               <a:rPr lang="en-GB" smtClean="0"/>
               <a:pPr/>
-              <a:t>17/02/2025</a:t>
+              <a:t>19/02/2025</a:t>
             </a:fld>
             <a:endParaRPr lang="en-GB"/>
           </a:p>
@@ -1419,7 +1419,7 @@
             <a:fld id="{26EA1CF3-4A15-4CBF-9A5A-6A56C368BE71}" type="datetimeFigureOut">
               <a:rPr lang="en-GB" smtClean="0"/>
               <a:pPr/>
-              <a:t>17/02/2025</a:t>
+              <a:t>19/02/2025</a:t>
             </a:fld>
             <a:endParaRPr lang="en-GB"/>
           </a:p>
@@ -1704,7 +1704,7 @@
             <a:fld id="{26EA1CF3-4A15-4CBF-9A5A-6A56C368BE71}" type="datetimeFigureOut">
               <a:rPr lang="en-GB" smtClean="0"/>
               <a:pPr/>
-              <a:t>17/02/2025</a:t>
+              <a:t>19/02/2025</a:t>
             </a:fld>
             <a:endParaRPr lang="en-GB"/>
           </a:p>
@@ -2123,7 +2123,7 @@
             <a:fld id="{26EA1CF3-4A15-4CBF-9A5A-6A56C368BE71}" type="datetimeFigureOut">
               <a:rPr lang="en-GB" smtClean="0"/>
               <a:pPr/>
-              <a:t>17/02/2025</a:t>
+              <a:t>19/02/2025</a:t>
             </a:fld>
             <a:endParaRPr lang="en-GB"/>
           </a:p>
@@ -2238,7 +2238,7 @@
             <a:fld id="{26EA1CF3-4A15-4CBF-9A5A-6A56C368BE71}" type="datetimeFigureOut">
               <a:rPr lang="en-GB" smtClean="0"/>
               <a:pPr/>
-              <a:t>17/02/2025</a:t>
+              <a:t>19/02/2025</a:t>
             </a:fld>
             <a:endParaRPr lang="en-GB"/>
           </a:p>
@@ -2330,7 +2330,7 @@
             <a:fld id="{26EA1CF3-4A15-4CBF-9A5A-6A56C368BE71}" type="datetimeFigureOut">
               <a:rPr lang="en-GB" smtClean="0"/>
               <a:pPr/>
-              <a:t>17/02/2025</a:t>
+              <a:t>19/02/2025</a:t>
             </a:fld>
             <a:endParaRPr lang="en-GB"/>
           </a:p>
@@ -2604,7 +2604,7 @@
             <a:fld id="{26EA1CF3-4A15-4CBF-9A5A-6A56C368BE71}" type="datetimeFigureOut">
               <a:rPr lang="en-GB" smtClean="0"/>
               <a:pPr/>
-              <a:t>17/02/2025</a:t>
+              <a:t>19/02/2025</a:t>
             </a:fld>
             <a:endParaRPr lang="en-GB"/>
           </a:p>
@@ -2854,7 +2854,7 @@
             <a:fld id="{26EA1CF3-4A15-4CBF-9A5A-6A56C368BE71}" type="datetimeFigureOut">
               <a:rPr lang="en-GB" smtClean="0"/>
               <a:pPr/>
-              <a:t>17/02/2025</a:t>
+              <a:t>19/02/2025</a:t>
             </a:fld>
             <a:endParaRPr lang="en-GB"/>
           </a:p>
@@ -3063,7 +3063,7 @@
             <a:fld id="{26EA1CF3-4A15-4CBF-9A5A-6A56C368BE71}" type="datetimeFigureOut">
               <a:rPr lang="en-GB" smtClean="0"/>
               <a:pPr/>
-              <a:t>17/02/2025</a:t>
+              <a:t>19/02/2025</a:t>
             </a:fld>
             <a:endParaRPr lang="en-GB"/>
           </a:p>
@@ -3699,7 +3699,7 @@
     </p:spTree>
     <p:extLst>
       <p:ext uri="{BB962C8B-B14F-4D97-AF65-F5344CB8AC3E}">
-        <p14:creationId xmlns:p14="http://schemas.microsoft.com/office/powerpoint/2010/main" val="2133853683"/>
+        <p14:creationId xmlns:p14="http://schemas.microsoft.com/office/powerpoint/2010/main" val="1888378471"/>
       </p:ext>
     </p:extLst>
   </p:cSld>
@@ -3826,6 +3826,13 @@
               </a:rPr>
               <a:t>Jesus</a:t>
             </a:r>
+            <a:br>
+              <a:rPr lang="en-GB" sz="3600" dirty="0">
+                <a:solidFill>
+                  <a:schemeClr val="bg1"/>
+                </a:solidFill>
+              </a:rPr>
+            </a:br>
             <a:endParaRPr lang="en-GB" sz="3600" dirty="0">
               <a:solidFill>
                 <a:schemeClr val="bg1"/>
@@ -3870,7 +3877,7 @@
     </p:spTree>
     <p:extLst>
       <p:ext uri="{BB962C8B-B14F-4D97-AF65-F5344CB8AC3E}">
-        <p14:creationId xmlns:p14="http://schemas.microsoft.com/office/powerpoint/2010/main" val="2448128393"/>
+        <p14:creationId xmlns:p14="http://schemas.microsoft.com/office/powerpoint/2010/main" val="4214798672"/>
       </p:ext>
     </p:extLst>
   </p:cSld>
@@ -3990,6 +3997,51 @@
               </a:rPr>
               <a:t> revolves around You Jesus You</a:t>
             </a:r>
+            <a:br>
+              <a:rPr lang="en-GB" sz="3600" dirty="0">
+                <a:solidFill>
+                  <a:schemeClr val="bg1"/>
+                </a:solidFill>
+              </a:rPr>
+            </a:br>
+            <a:endParaRPr lang="en-GB" sz="3600" dirty="0">
+              <a:solidFill>
+                <a:schemeClr val="bg1"/>
+              </a:solidFill>
+            </a:endParaRPr>
+          </a:p>
+          <a:p>
+            <a:r>
+              <a:rPr lang="en-GB" sz="3600" dirty="0">
+                <a:solidFill>
+                  <a:schemeClr val="bg1"/>
+                </a:solidFill>
+              </a:rPr>
+              <a:t>At the </a:t>
+            </a:r>
+            <a:r>
+              <a:rPr lang="en-GB" sz="3600" dirty="0" err="1">
+                <a:solidFill>
+                  <a:schemeClr val="bg1"/>
+                </a:solidFill>
+              </a:rPr>
+              <a:t>center</a:t>
+            </a:r>
+            <a:r>
+              <a:rPr lang="en-GB" sz="3600" dirty="0">
+                <a:solidFill>
+                  <a:schemeClr val="bg1"/>
+                </a:solidFill>
+              </a:rPr>
+              <a:t> of it all</a:t>
+            </a:r>
+          </a:p>
+          <a:p>
+            <a:endParaRPr lang="en-GB" sz="3600" dirty="0">
+              <a:solidFill>
+                <a:schemeClr val="bg1"/>
+              </a:solidFill>
+            </a:endParaRPr>
           </a:p>
         </p:txBody>
       </p:sp>
@@ -5026,6 +5078,58 @@
               </a:rPr>
               <a:t> revolves around You Jesus You</a:t>
             </a:r>
+            <a:br>
+              <a:rPr lang="en-GB" sz="3600" dirty="0">
+                <a:solidFill>
+                  <a:schemeClr val="bg1"/>
+                </a:solidFill>
+              </a:rPr>
+            </a:br>
+            <a:br>
+              <a:rPr lang="en-GB" sz="3600" dirty="0">
+                <a:solidFill>
+                  <a:schemeClr val="bg1"/>
+                </a:solidFill>
+              </a:rPr>
+            </a:br>
+            <a:endParaRPr lang="en-GB" sz="3600" dirty="0">
+              <a:solidFill>
+                <a:schemeClr val="bg1"/>
+              </a:solidFill>
+            </a:endParaRPr>
+          </a:p>
+          <a:p>
+            <a:r>
+              <a:rPr lang="en-GB" sz="3600" dirty="0">
+                <a:solidFill>
+                  <a:schemeClr val="bg1"/>
+                </a:solidFill>
+              </a:rPr>
+              <a:t>At the </a:t>
+            </a:r>
+            <a:r>
+              <a:rPr lang="en-GB" sz="3600" dirty="0" err="1">
+                <a:solidFill>
+                  <a:schemeClr val="bg1"/>
+                </a:solidFill>
+              </a:rPr>
+              <a:t>center</a:t>
+            </a:r>
+            <a:r>
+              <a:rPr lang="en-GB" sz="3600" dirty="0">
+                <a:solidFill>
+                  <a:schemeClr val="bg1"/>
+                </a:solidFill>
+              </a:rPr>
+              <a:t> of it all</a:t>
+            </a:r>
+          </a:p>
+          <a:p>
+            <a:endParaRPr lang="en-GB" sz="3600" dirty="0">
+              <a:solidFill>
+                <a:schemeClr val="bg1"/>
+              </a:solidFill>
+            </a:endParaRPr>
           </a:p>
         </p:txBody>
       </p:sp>
